--- a/00_Numericne_metode_osnove/VAJE_01.pptx
+++ b/00_Numericne_metode_osnove/VAJE_01.pptx
@@ -11,12 +11,17 @@
     <p:sldId id="259" r:id="rId8"/>
     <p:sldId id="260" r:id="rId9"/>
     <p:sldId id="261" r:id="rId10"/>
-    <p:sldId id="262" r:id="rId11"/>
-    <p:sldId id="263" r:id="rId12"/>
-    <p:sldId id="264" r:id="rId13"/>
-    <p:sldId id="265" r:id="rId14"/>
-    <p:sldId id="268" r:id="rId15"/>
-    <p:sldId id="266" r:id="rId16"/>
+    <p:sldId id="269" r:id="rId11"/>
+    <p:sldId id="262" r:id="rId12"/>
+    <p:sldId id="270" r:id="rId13"/>
+    <p:sldId id="263" r:id="rId14"/>
+    <p:sldId id="271" r:id="rId15"/>
+    <p:sldId id="264" r:id="rId16"/>
+    <p:sldId id="272" r:id="rId17"/>
+    <p:sldId id="265" r:id="rId18"/>
+    <p:sldId id="273" r:id="rId19"/>
+    <p:sldId id="268" r:id="rId20"/>
+    <p:sldId id="266" r:id="rId21"/>
   </p:sldIdLst>
   <p:sldSz cx="12192000" cy="6858000"/>
   <p:notesSz cx="6858000" cy="9144000"/>
@@ -3056,6 +3061,860 @@
           <a:chExt cx="0" cy="0"/>
         </a:xfrm>
       </p:grpSpPr>
+      <p:pic>
+        <p:nvPicPr>
+          <p:cNvPr id="4" name="Slika 3"/>
+          <p:cNvPicPr>
+            <a:picLocks noChangeAspect="1"/>
+          </p:cNvPicPr>
+          <p:nvPr/>
+        </p:nvPicPr>
+        <p:blipFill rotWithShape="1">
+          <a:blip r:embed="rId2"/>
+          <a:srcRect l="16440" t="12231" r="51270" b="61501"/>
+          <a:stretch/>
+        </p:blipFill>
+        <p:spPr>
+          <a:xfrm>
+            <a:off x="209489" y="1848978"/>
+            <a:ext cx="8332021" cy="4236225"/>
+          </a:xfrm>
+          <a:prstGeom prst="rect">
+            <a:avLst/>
+          </a:prstGeom>
+        </p:spPr>
+      </p:pic>
+      <p:sp>
+        <p:nvSpPr>
+          <p:cNvPr id="5" name="Naslov 1"/>
+          <p:cNvSpPr txBox="1">
+            <a:spLocks/>
+          </p:cNvSpPr>
+          <p:nvPr/>
+        </p:nvSpPr>
+        <p:spPr>
+          <a:xfrm>
+            <a:off x="6537769" y="5790182"/>
+            <a:ext cx="5444742" cy="882648"/>
+          </a:xfrm>
+          <a:prstGeom prst="rect">
+            <a:avLst/>
+          </a:prstGeom>
+        </p:spPr>
+        <p:style>
+          <a:lnRef idx="3">
+            <a:schemeClr val="lt1"/>
+          </a:lnRef>
+          <a:fillRef idx="1">
+            <a:schemeClr val="accent6"/>
+          </a:fillRef>
+          <a:effectRef idx="1">
+            <a:schemeClr val="accent6"/>
+          </a:effectRef>
+          <a:fontRef idx="minor">
+            <a:schemeClr val="lt1"/>
+          </a:fontRef>
+        </p:style>
+        <p:txBody>
+          <a:bodyPr vert="horz" lIns="91440" tIns="45720" rIns="91440" bIns="45720" rtlCol="0" anchor="ctr">
+            <a:normAutofit/>
+          </a:bodyPr>
+          <a:lstStyle>
+            <a:lvl1pPr algn="l" defTabSz="914400" rtl="0" eaLnBrk="1" latinLnBrk="0" hangingPunct="1">
+              <a:lnSpc>
+                <a:spcPct val="90000"/>
+              </a:lnSpc>
+              <a:spcBef>
+                <a:spcPct val="0"/>
+              </a:spcBef>
+              <a:buNone/>
+              <a:defRPr sz="4400" kern="1200">
+                <a:solidFill>
+                  <a:schemeClr val="tx1"/>
+                </a:solidFill>
+                <a:latin typeface="+mj-lt"/>
+                <a:ea typeface="+mj-ea"/>
+                <a:cs typeface="+mj-cs"/>
+              </a:defRPr>
+            </a:lvl1pPr>
+          </a:lstStyle>
+          <a:p>
+            <a:pPr algn="ctr"/>
+            <a:r>
+              <a:rPr lang="sl-SI" sz="1000" dirty="0">
+                <a:solidFill>
+                  <a:srgbClr val="FF0000"/>
+                </a:solidFill>
+              </a:rPr>
+              <a:t>Pri načrtovanju programa moramo imeti vedno v mislih količino delavnega spomina, ki ga bo program zavzel (WIN32 ali WIN64). Pri bolj kompleksnih projektih se lahko hitro zgodi, da nam slednjega zmanjka. Optimizacija kode za varno in hitro delovanje programa.</a:t>
+            </a:r>
+            <a:endParaRPr lang="en-US" sz="1000" cap="all" dirty="0">
+              <a:solidFill>
+                <a:srgbClr val="FF0000"/>
+              </a:solidFill>
+            </a:endParaRPr>
+          </a:p>
+        </p:txBody>
+      </p:sp>
+      <p:sp>
+        <p:nvSpPr>
+          <p:cNvPr id="7" name="Naslov 1">
+            <a:extLst>
+              <a:ext uri="{FF2B5EF4-FFF2-40B4-BE49-F238E27FC236}">
+                <a16:creationId xmlns:a16="http://schemas.microsoft.com/office/drawing/2014/main" id="{7E480578-DA12-8538-3CA5-584F9288F3DA}"/>
+              </a:ext>
+            </a:extLst>
+          </p:cNvPr>
+          <p:cNvSpPr>
+            <a:spLocks noGrp="1"/>
+          </p:cNvSpPr>
+          <p:nvPr>
+            <p:ph type="title"/>
+          </p:nvPr>
+        </p:nvSpPr>
+        <p:spPr>
+          <a:xfrm>
+            <a:off x="0" y="-26220"/>
+            <a:ext cx="12192000" cy="659262"/>
+          </a:xfrm>
+          <a:solidFill>
+            <a:schemeClr val="accent2"/>
+          </a:solidFill>
+        </p:spPr>
+        <p:txBody>
+          <a:bodyPr>
+            <a:normAutofit fontScale="90000"/>
+          </a:bodyPr>
+          <a:lstStyle/>
+          <a:p>
+            <a:r>
+              <a:rPr lang="sl-SI" dirty="0"/>
+              <a:t>Primer 2</a:t>
+            </a:r>
+            <a:endParaRPr lang="en-US" dirty="0"/>
+          </a:p>
+        </p:txBody>
+      </p:sp>
+      <p:sp>
+        <p:nvSpPr>
+          <p:cNvPr id="9" name="PoljeZBesedilom 8">
+            <a:extLst>
+              <a:ext uri="{FF2B5EF4-FFF2-40B4-BE49-F238E27FC236}">
+                <a16:creationId xmlns:a16="http://schemas.microsoft.com/office/drawing/2014/main" id="{D6CE649F-FF3E-3346-FE09-41D5BDB0D148}"/>
+              </a:ext>
+            </a:extLst>
+          </p:cNvPr>
+          <p:cNvSpPr txBox="1"/>
+          <p:nvPr/>
+        </p:nvSpPr>
+        <p:spPr>
+          <a:xfrm>
+            <a:off x="20512" y="779345"/>
+            <a:ext cx="12171488" cy="923330"/>
+          </a:xfrm>
+          <a:prstGeom prst="rect">
+            <a:avLst/>
+          </a:prstGeom>
+          <a:noFill/>
+        </p:spPr>
+        <p:txBody>
+          <a:bodyPr wrap="square">
+            <a:spAutoFit/>
+          </a:bodyPr>
+          <a:lstStyle/>
+          <a:p>
+            <a:pPr algn="ctr"/>
+            <a:r>
+              <a:rPr lang="sl-SI" b="0" i="0" dirty="0">
+                <a:effectLst/>
+                <a:latin typeface="-apple-system"/>
+              </a:rPr>
+              <a:t>Za </a:t>
+            </a:r>
+            <a:r>
+              <a:rPr lang="sl-SI" b="0" i="0" dirty="0" err="1">
+                <a:effectLst/>
+                <a:latin typeface="-apple-system"/>
+              </a:rPr>
+              <a:t>char</a:t>
+            </a:r>
+            <a:r>
+              <a:rPr lang="sl-SI" b="0" i="0" dirty="0">
+                <a:effectLst/>
+                <a:latin typeface="-apple-system"/>
+              </a:rPr>
+              <a:t>, </a:t>
+            </a:r>
+            <a:r>
+              <a:rPr lang="sl-SI" b="0" i="0" dirty="0" err="1">
+                <a:effectLst/>
+                <a:latin typeface="-apple-system"/>
+              </a:rPr>
+              <a:t>int</a:t>
+            </a:r>
+            <a:r>
+              <a:rPr lang="sl-SI" b="0" i="0" dirty="0">
+                <a:effectLst/>
+                <a:latin typeface="-apple-system"/>
+              </a:rPr>
+              <a:t>, </a:t>
+            </a:r>
+            <a:r>
+              <a:rPr lang="sl-SI" b="0" i="0" dirty="0" err="1">
+                <a:effectLst/>
+                <a:latin typeface="-apple-system"/>
+              </a:rPr>
+              <a:t>short</a:t>
+            </a:r>
+            <a:r>
+              <a:rPr lang="sl-SI" b="0" i="0" dirty="0">
+                <a:effectLst/>
+                <a:latin typeface="-apple-system"/>
+              </a:rPr>
+              <a:t> </a:t>
+            </a:r>
+            <a:r>
+              <a:rPr lang="sl-SI" b="0" i="0" dirty="0" err="1">
+                <a:effectLst/>
+                <a:latin typeface="-apple-system"/>
+              </a:rPr>
+              <a:t>int</a:t>
+            </a:r>
+            <a:r>
+              <a:rPr lang="sl-SI" b="0" i="0" dirty="0">
+                <a:effectLst/>
+                <a:latin typeface="-apple-system"/>
+              </a:rPr>
+              <a:t>, </a:t>
+            </a:r>
+            <a:r>
+              <a:rPr lang="sl-SI" b="0" i="0" dirty="0" err="1">
+                <a:effectLst/>
+                <a:latin typeface="-apple-system"/>
+              </a:rPr>
+              <a:t>long</a:t>
+            </a:r>
+            <a:r>
+              <a:rPr lang="sl-SI" b="0" i="0" dirty="0">
+                <a:effectLst/>
+                <a:latin typeface="-apple-system"/>
+              </a:rPr>
+              <a:t> </a:t>
+            </a:r>
+            <a:r>
+              <a:rPr lang="sl-SI" b="0" i="0" dirty="0" err="1">
+                <a:effectLst/>
+                <a:latin typeface="-apple-system"/>
+              </a:rPr>
+              <a:t>int</a:t>
+            </a:r>
+            <a:r>
+              <a:rPr lang="sl-SI" b="0" i="0" dirty="0">
+                <a:effectLst/>
+                <a:latin typeface="-apple-system"/>
+              </a:rPr>
+              <a:t>, </a:t>
+            </a:r>
+            <a:r>
+              <a:rPr lang="sl-SI" b="0" i="0" dirty="0" err="1">
+                <a:effectLst/>
+                <a:latin typeface="-apple-system"/>
+              </a:rPr>
+              <a:t>float</a:t>
+            </a:r>
+            <a:r>
+              <a:rPr lang="sl-SI" b="0" i="0" dirty="0">
+                <a:effectLst/>
+                <a:latin typeface="-apple-system"/>
+              </a:rPr>
+              <a:t>, </a:t>
+            </a:r>
+            <a:r>
+              <a:rPr lang="sl-SI" b="0" i="0" dirty="0" err="1">
+                <a:effectLst/>
+                <a:latin typeface="-apple-system"/>
+              </a:rPr>
+              <a:t>double</a:t>
+            </a:r>
+            <a:r>
+              <a:rPr lang="sl-SI" b="0" i="0" dirty="0">
+                <a:effectLst/>
+                <a:latin typeface="-apple-system"/>
+              </a:rPr>
+              <a:t>, </a:t>
+            </a:r>
+            <a:r>
+              <a:rPr lang="sl-SI" b="0" i="0" dirty="0" err="1">
+                <a:effectLst/>
+                <a:latin typeface="-apple-system"/>
+              </a:rPr>
+              <a:t>long</a:t>
+            </a:r>
+            <a:r>
+              <a:rPr lang="sl-SI" b="0" i="0" dirty="0">
+                <a:effectLst/>
+                <a:latin typeface="-apple-system"/>
+              </a:rPr>
+              <a:t> </a:t>
+            </a:r>
+            <a:r>
+              <a:rPr lang="sl-SI" b="0" i="0" dirty="0" err="1">
+                <a:effectLst/>
+                <a:latin typeface="-apple-system"/>
+              </a:rPr>
+              <a:t>double</a:t>
+            </a:r>
+            <a:r>
+              <a:rPr lang="sl-SI" b="0" i="0" dirty="0">
+                <a:effectLst/>
+                <a:latin typeface="-apple-system"/>
+              </a:rPr>
+              <a:t> in </a:t>
+            </a:r>
+            <a:r>
+              <a:rPr lang="sl-SI" b="0" i="0" dirty="0" err="1">
+                <a:effectLst/>
+                <a:latin typeface="-apple-system"/>
+              </a:rPr>
+              <a:t>bool</a:t>
+            </a:r>
+            <a:r>
+              <a:rPr lang="sl-SI" b="0" i="0" dirty="0">
+                <a:effectLst/>
+                <a:latin typeface="-apple-system"/>
+              </a:rPr>
+              <a:t> tip spremenljivk izpišite koliko delavnega prostora zasedejo v pomnilniku. Za vsako spremenljivko nato določite, koliko delavnega polnilnika bi potrebovali, če bi hoteli shraniti 1_000_000_000 takšnih vrednosti.</a:t>
+            </a:r>
+            <a:endParaRPr lang="en-US" dirty="0"/>
+          </a:p>
+        </p:txBody>
+      </p:sp>
+    </p:spTree>
+    <p:extLst>
+      <p:ext uri="{BB962C8B-B14F-4D97-AF65-F5344CB8AC3E}">
+        <p14:creationId xmlns:p14="http://schemas.microsoft.com/office/powerpoint/2010/main" val="3204560345"/>
+      </p:ext>
+    </p:extLst>
+  </p:cSld>
+  <p:clrMapOvr>
+    <a:masterClrMapping/>
+  </p:clrMapOvr>
+</p:sld>
+</file>
+
+<file path=ppt/slides/slide11.xml><?xml version="1.0" encoding="utf-8"?>
+<p:sld xmlns:a="http://schemas.openxmlformats.org/drawingml/2006/main" xmlns:r="http://schemas.openxmlformats.org/officeDocument/2006/relationships" xmlns:p="http://schemas.openxmlformats.org/presentationml/2006/main">
+  <p:cSld>
+    <p:spTree>
+      <p:nvGrpSpPr>
+        <p:cNvPr id="1" name="">
+          <a:extLst>
+            <a:ext uri="{FF2B5EF4-FFF2-40B4-BE49-F238E27FC236}">
+              <a16:creationId xmlns:a16="http://schemas.microsoft.com/office/drawing/2014/main" id="{DA0F6B81-0274-134F-571E-2853CA3E178A}"/>
+            </a:ext>
+          </a:extLst>
+        </p:cNvPr>
+        <p:cNvGrpSpPr/>
+        <p:nvPr/>
+      </p:nvGrpSpPr>
+      <p:grpSpPr>
+        <a:xfrm>
+          <a:off x="0" y="0"/>
+          <a:ext cx="0" cy="0"/>
+          <a:chOff x="0" y="0"/>
+          <a:chExt cx="0" cy="0"/>
+        </a:xfrm>
+      </p:grpSpPr>
+      <p:sp>
+        <p:nvSpPr>
+          <p:cNvPr id="9" name="Naslov 1">
+            <a:extLst>
+              <a:ext uri="{FF2B5EF4-FFF2-40B4-BE49-F238E27FC236}">
+                <a16:creationId xmlns:a16="http://schemas.microsoft.com/office/drawing/2014/main" id="{A7894DAA-634B-BB76-98A1-88CC16943678}"/>
+              </a:ext>
+            </a:extLst>
+          </p:cNvPr>
+          <p:cNvSpPr>
+            <a:spLocks noGrp="1"/>
+          </p:cNvSpPr>
+          <p:nvPr>
+            <p:ph type="title"/>
+          </p:nvPr>
+        </p:nvSpPr>
+        <p:spPr>
+          <a:xfrm>
+            <a:off x="0" y="-26220"/>
+            <a:ext cx="12192000" cy="659262"/>
+          </a:xfrm>
+          <a:solidFill>
+            <a:schemeClr val="accent2"/>
+          </a:solidFill>
+        </p:spPr>
+        <p:txBody>
+          <a:bodyPr>
+            <a:normAutofit fontScale="90000"/>
+          </a:bodyPr>
+          <a:lstStyle/>
+          <a:p>
+            <a:r>
+              <a:rPr lang="sl-SI" dirty="0"/>
+              <a:t>Primer 3</a:t>
+            </a:r>
+            <a:endParaRPr lang="en-US" dirty="0"/>
+          </a:p>
+        </p:txBody>
+      </p:sp>
+      <p:sp>
+        <p:nvSpPr>
+          <p:cNvPr id="14" name="PoljeZBesedilom 13">
+            <a:extLst>
+              <a:ext uri="{FF2B5EF4-FFF2-40B4-BE49-F238E27FC236}">
+                <a16:creationId xmlns:a16="http://schemas.microsoft.com/office/drawing/2014/main" id="{E11A6D8C-D64D-A13E-207E-C9B130EE215D}"/>
+              </a:ext>
+            </a:extLst>
+          </p:cNvPr>
+          <p:cNvSpPr txBox="1"/>
+          <p:nvPr/>
+        </p:nvSpPr>
+        <p:spPr>
+          <a:xfrm>
+            <a:off x="438622" y="2264776"/>
+            <a:ext cx="11042178" cy="2677656"/>
+          </a:xfrm>
+          <a:prstGeom prst="rect">
+            <a:avLst/>
+          </a:prstGeom>
+          <a:noFill/>
+        </p:spPr>
+        <p:txBody>
+          <a:bodyPr wrap="square">
+            <a:spAutoFit/>
+          </a:bodyPr>
+          <a:lstStyle/>
+          <a:p>
+            <a:pPr algn="ctr"/>
+            <a:r>
+              <a:rPr lang="sl-SI" sz="2400" b="0" i="0" dirty="0">
+                <a:effectLst/>
+                <a:latin typeface="-apple-system"/>
+              </a:rPr>
+              <a:t>Ustvarite zanko </a:t>
+            </a:r>
+            <a:r>
+              <a:rPr lang="sl-SI" sz="2400" b="1" i="0" dirty="0" err="1">
+                <a:effectLst/>
+                <a:latin typeface="-apple-system"/>
+              </a:rPr>
+              <a:t>for</a:t>
+            </a:r>
+            <a:r>
+              <a:rPr lang="sl-SI" sz="2400" b="1" i="0" dirty="0">
+                <a:effectLst/>
+                <a:latin typeface="-apple-system"/>
+              </a:rPr>
+              <a:t>,</a:t>
+            </a:r>
+            <a:r>
+              <a:rPr lang="sl-SI" sz="2400" b="0" i="0" dirty="0">
+                <a:effectLst/>
+                <a:latin typeface="-apple-system"/>
+              </a:rPr>
+              <a:t> ki bo števec i povečevala od vrednosti 0 do vrednosti 100 po korakih 1. V vsakem koraku naj se izpiše vrednost števca</a:t>
+            </a:r>
+            <a:r>
+              <a:rPr lang="sl-SI" sz="2400" b="0" i="1" dirty="0">
+                <a:effectLst/>
+                <a:latin typeface="-apple-system"/>
+              </a:rPr>
+              <a:t> i</a:t>
+            </a:r>
+            <a:r>
+              <a:rPr lang="sl-SI" sz="2400" b="0" i="0" dirty="0">
+                <a:effectLst/>
+                <a:latin typeface="-apple-system"/>
+              </a:rPr>
+              <a:t>.</a:t>
+            </a:r>
+          </a:p>
+          <a:p>
+            <a:pPr algn="ctr"/>
+            <a:endParaRPr lang="sl-SI" sz="2400" dirty="0">
+              <a:latin typeface="-apple-system"/>
+            </a:endParaRPr>
+          </a:p>
+          <a:p>
+            <a:pPr algn="ctr"/>
+            <a:endParaRPr lang="sl-SI" sz="2400" b="0" i="0" dirty="0">
+              <a:effectLst/>
+              <a:latin typeface="-apple-system"/>
+            </a:endParaRPr>
+          </a:p>
+          <a:p>
+            <a:pPr algn="ctr"/>
+            <a:endParaRPr lang="sl-SI" sz="2400" b="0" i="0" dirty="0">
+              <a:effectLst/>
+              <a:latin typeface="-apple-system"/>
+            </a:endParaRPr>
+          </a:p>
+          <a:p>
+            <a:pPr algn="ctr"/>
+            <a:r>
+              <a:rPr lang="sl-SI" sz="2400" b="0" i="0" dirty="0">
+                <a:effectLst/>
+                <a:latin typeface="-apple-system"/>
+              </a:rPr>
+              <a:t>Ustvarite zanko </a:t>
+            </a:r>
+            <a:r>
+              <a:rPr lang="sl-SI" sz="2400" b="1" i="0" dirty="0" err="1">
+                <a:effectLst/>
+                <a:latin typeface="-apple-system"/>
+              </a:rPr>
+              <a:t>while</a:t>
+            </a:r>
+            <a:r>
+              <a:rPr lang="sl-SI" sz="2400" b="0" i="0" dirty="0">
+                <a:effectLst/>
+                <a:latin typeface="-apple-system"/>
+              </a:rPr>
+              <a:t>, ki bo števec i povečevala od vrednosti 0 do vrednosti 100 po korakih 2. V vsakem koraku naj se izpiše vrednost števca </a:t>
+            </a:r>
+            <a:r>
+              <a:rPr lang="sl-SI" sz="2400" b="0" i="1" dirty="0">
+                <a:effectLst/>
+                <a:latin typeface="-apple-system"/>
+              </a:rPr>
+              <a:t>i</a:t>
+            </a:r>
+            <a:r>
+              <a:rPr lang="sl-SI" sz="2400" b="0" i="0" dirty="0">
+                <a:effectLst/>
+                <a:latin typeface="-apple-system"/>
+              </a:rPr>
+              <a:t>.</a:t>
+            </a:r>
+          </a:p>
+        </p:txBody>
+      </p:sp>
+    </p:spTree>
+    <p:extLst>
+      <p:ext uri="{BB962C8B-B14F-4D97-AF65-F5344CB8AC3E}">
+        <p14:creationId xmlns:p14="http://schemas.microsoft.com/office/powerpoint/2010/main" val="3284920893"/>
+      </p:ext>
+    </p:extLst>
+  </p:cSld>
+  <p:clrMapOvr>
+    <a:masterClrMapping/>
+  </p:clrMapOvr>
+</p:sld>
+</file>
+
+<file path=ppt/slides/slide12.xml><?xml version="1.0" encoding="utf-8"?>
+<p:sld xmlns:a="http://schemas.openxmlformats.org/drawingml/2006/main" xmlns:r="http://schemas.openxmlformats.org/officeDocument/2006/relationships" xmlns:p="http://schemas.openxmlformats.org/presentationml/2006/main">
+  <p:cSld>
+    <p:spTree>
+      <p:nvGrpSpPr>
+        <p:cNvPr id="1" name=""/>
+        <p:cNvGrpSpPr/>
+        <p:nvPr/>
+      </p:nvGrpSpPr>
+      <p:grpSpPr>
+        <a:xfrm>
+          <a:off x="0" y="0"/>
+          <a:ext cx="0" cy="0"/>
+          <a:chOff x="0" y="0"/>
+          <a:chExt cx="0" cy="0"/>
+        </a:xfrm>
+      </p:grpSpPr>
+      <p:pic>
+        <p:nvPicPr>
+          <p:cNvPr id="4" name="Slika 3"/>
+          <p:cNvPicPr>
+            <a:picLocks noChangeAspect="1"/>
+          </p:cNvPicPr>
+          <p:nvPr/>
+        </p:nvPicPr>
+        <p:blipFill rotWithShape="1">
+          <a:blip r:embed="rId2"/>
+          <a:srcRect l="16803" t="12376" r="70045" b="58599"/>
+          <a:stretch/>
+        </p:blipFill>
+        <p:spPr>
+          <a:xfrm>
+            <a:off x="6760464" y="1157498"/>
+            <a:ext cx="3835909" cy="5290907"/>
+          </a:xfrm>
+          <a:prstGeom prst="rect">
+            <a:avLst/>
+          </a:prstGeom>
+        </p:spPr>
+      </p:pic>
+      <p:sp>
+        <p:nvSpPr>
+          <p:cNvPr id="9" name="Naslov 1">
+            <a:extLst>
+              <a:ext uri="{FF2B5EF4-FFF2-40B4-BE49-F238E27FC236}">
+                <a16:creationId xmlns:a16="http://schemas.microsoft.com/office/drawing/2014/main" id="{EEF59AD4-1260-908B-8656-8C200FB30295}"/>
+              </a:ext>
+            </a:extLst>
+          </p:cNvPr>
+          <p:cNvSpPr>
+            <a:spLocks noGrp="1"/>
+          </p:cNvSpPr>
+          <p:nvPr>
+            <p:ph type="title"/>
+          </p:nvPr>
+        </p:nvSpPr>
+        <p:spPr>
+          <a:xfrm>
+            <a:off x="0" y="-26220"/>
+            <a:ext cx="12192000" cy="659262"/>
+          </a:xfrm>
+          <a:solidFill>
+            <a:schemeClr val="accent2"/>
+          </a:solidFill>
+        </p:spPr>
+        <p:txBody>
+          <a:bodyPr>
+            <a:normAutofit fontScale="90000"/>
+          </a:bodyPr>
+          <a:lstStyle/>
+          <a:p>
+            <a:r>
+              <a:rPr lang="sl-SI" dirty="0"/>
+              <a:t>Primer 3</a:t>
+            </a:r>
+            <a:endParaRPr lang="en-US" dirty="0"/>
+          </a:p>
+        </p:txBody>
+      </p:sp>
+      <p:sp>
+        <p:nvSpPr>
+          <p:cNvPr id="14" name="PoljeZBesedilom 13">
+            <a:extLst>
+              <a:ext uri="{FF2B5EF4-FFF2-40B4-BE49-F238E27FC236}">
+                <a16:creationId xmlns:a16="http://schemas.microsoft.com/office/drawing/2014/main" id="{6C35F737-10F2-42CB-1EDA-16DFE7EE1579}"/>
+              </a:ext>
+            </a:extLst>
+          </p:cNvPr>
+          <p:cNvSpPr txBox="1"/>
+          <p:nvPr/>
+        </p:nvSpPr>
+        <p:spPr>
+          <a:xfrm>
+            <a:off x="554736" y="2787290"/>
+            <a:ext cx="6205728" cy="2031325"/>
+          </a:xfrm>
+          <a:prstGeom prst="rect">
+            <a:avLst/>
+          </a:prstGeom>
+          <a:noFill/>
+        </p:spPr>
+        <p:txBody>
+          <a:bodyPr wrap="square">
+            <a:spAutoFit/>
+          </a:bodyPr>
+          <a:lstStyle/>
+          <a:p>
+            <a:pPr algn="l"/>
+            <a:r>
+              <a:rPr lang="sl-SI" b="0" i="0" dirty="0">
+                <a:effectLst/>
+                <a:latin typeface="-apple-system"/>
+              </a:rPr>
+              <a:t>Ustvarite zanko </a:t>
+            </a:r>
+            <a:r>
+              <a:rPr lang="sl-SI" b="1" i="0" dirty="0" err="1">
+                <a:effectLst/>
+                <a:latin typeface="-apple-system"/>
+              </a:rPr>
+              <a:t>for</a:t>
+            </a:r>
+            <a:r>
+              <a:rPr lang="sl-SI" b="0" i="0" dirty="0">
+                <a:effectLst/>
+                <a:latin typeface="-apple-system"/>
+              </a:rPr>
+              <a:t> ki bo števec i povečevala od vrednosti 0 do vrednosti 100 po korakih 1. V vsakem koraku naj se izpiše vrednost števca i.</a:t>
+            </a:r>
+          </a:p>
+          <a:p>
+            <a:pPr algn="l"/>
+            <a:endParaRPr lang="sl-SI" b="0" i="0" dirty="0">
+              <a:effectLst/>
+              <a:latin typeface="-apple-system"/>
+            </a:endParaRPr>
+          </a:p>
+          <a:p>
+            <a:pPr algn="l"/>
+            <a:r>
+              <a:rPr lang="sl-SI" b="0" i="0" dirty="0">
+                <a:effectLst/>
+                <a:latin typeface="-apple-system"/>
+              </a:rPr>
+              <a:t>Ustvarite zanko </a:t>
+            </a:r>
+            <a:r>
+              <a:rPr lang="sl-SI" b="1" i="0" dirty="0" err="1">
+                <a:effectLst/>
+                <a:latin typeface="-apple-system"/>
+              </a:rPr>
+              <a:t>while</a:t>
+            </a:r>
+            <a:r>
+              <a:rPr lang="sl-SI" b="0" i="0" dirty="0">
+                <a:effectLst/>
+                <a:latin typeface="-apple-system"/>
+              </a:rPr>
+              <a:t>, ki bo števec i povečevala od vrednosti 0 do vrednosti 100 po korakih 2. V vsakem koraku naj se izpiše vrednost števca i.</a:t>
+            </a:r>
+          </a:p>
+        </p:txBody>
+      </p:sp>
+    </p:spTree>
+    <p:extLst>
+      <p:ext uri="{BB962C8B-B14F-4D97-AF65-F5344CB8AC3E}">
+        <p14:creationId xmlns:p14="http://schemas.microsoft.com/office/powerpoint/2010/main" val="3867496803"/>
+      </p:ext>
+    </p:extLst>
+  </p:cSld>
+  <p:clrMapOvr>
+    <a:masterClrMapping/>
+  </p:clrMapOvr>
+</p:sld>
+</file>
+
+<file path=ppt/slides/slide13.xml><?xml version="1.0" encoding="utf-8"?>
+<p:sld xmlns:a="http://schemas.openxmlformats.org/drawingml/2006/main" xmlns:r="http://schemas.openxmlformats.org/officeDocument/2006/relationships" xmlns:p="http://schemas.openxmlformats.org/presentationml/2006/main">
+  <p:cSld>
+    <p:spTree>
+      <p:nvGrpSpPr>
+        <p:cNvPr id="1" name="">
+          <a:extLst>
+            <a:ext uri="{FF2B5EF4-FFF2-40B4-BE49-F238E27FC236}">
+              <a16:creationId xmlns:a16="http://schemas.microsoft.com/office/drawing/2014/main" id="{E8A2DFD4-71E9-ABBB-E97A-12A1E5085C42}"/>
+            </a:ext>
+          </a:extLst>
+        </p:cNvPr>
+        <p:cNvGrpSpPr/>
+        <p:nvPr/>
+      </p:nvGrpSpPr>
+      <p:grpSpPr>
+        <a:xfrm>
+          <a:off x="0" y="0"/>
+          <a:ext cx="0" cy="0"/>
+          <a:chOff x="0" y="0"/>
+          <a:chExt cx="0" cy="0"/>
+        </a:xfrm>
+      </p:grpSpPr>
+      <p:sp>
+        <p:nvSpPr>
+          <p:cNvPr id="12" name="Naslov 1">
+            <a:extLst>
+              <a:ext uri="{FF2B5EF4-FFF2-40B4-BE49-F238E27FC236}">
+                <a16:creationId xmlns:a16="http://schemas.microsoft.com/office/drawing/2014/main" id="{FF59FA29-8378-2CC9-30B1-86389144AA44}"/>
+              </a:ext>
+            </a:extLst>
+          </p:cNvPr>
+          <p:cNvSpPr>
+            <a:spLocks noGrp="1"/>
+          </p:cNvSpPr>
+          <p:nvPr>
+            <p:ph type="title"/>
+          </p:nvPr>
+        </p:nvSpPr>
+        <p:spPr>
+          <a:xfrm>
+            <a:off x="0" y="-26220"/>
+            <a:ext cx="12192000" cy="659262"/>
+          </a:xfrm>
+          <a:solidFill>
+            <a:schemeClr val="accent2"/>
+          </a:solidFill>
+        </p:spPr>
+        <p:txBody>
+          <a:bodyPr>
+            <a:normAutofit fontScale="90000"/>
+          </a:bodyPr>
+          <a:lstStyle/>
+          <a:p>
+            <a:r>
+              <a:rPr lang="sl-SI" dirty="0"/>
+              <a:t>Primer 4</a:t>
+            </a:r>
+            <a:endParaRPr lang="en-US" dirty="0"/>
+          </a:p>
+        </p:txBody>
+      </p:sp>
+      <p:sp>
+        <p:nvSpPr>
+          <p:cNvPr id="14" name="PoljeZBesedilom 13">
+            <a:extLst>
+              <a:ext uri="{FF2B5EF4-FFF2-40B4-BE49-F238E27FC236}">
+                <a16:creationId xmlns:a16="http://schemas.microsoft.com/office/drawing/2014/main" id="{10982FDB-CB78-37C8-D7B6-96F919386FDC}"/>
+              </a:ext>
+            </a:extLst>
+          </p:cNvPr>
+          <p:cNvSpPr txBox="1"/>
+          <p:nvPr/>
+        </p:nvSpPr>
+        <p:spPr>
+          <a:xfrm>
+            <a:off x="332522" y="2828835"/>
+            <a:ext cx="11526955" cy="1200329"/>
+          </a:xfrm>
+          <a:prstGeom prst="rect">
+            <a:avLst/>
+          </a:prstGeom>
+          <a:noFill/>
+        </p:spPr>
+        <p:txBody>
+          <a:bodyPr wrap="square">
+            <a:spAutoFit/>
+          </a:bodyPr>
+          <a:lstStyle/>
+          <a:p>
+            <a:pPr algn="ctr"/>
+            <a:r>
+              <a:rPr lang="sl-SI" sz="2400" b="0" dirty="0">
+                <a:effectLst/>
+              </a:rPr>
+              <a:t>Ustvarite program, ki bo preveril, če je število a praštevilo. Spomnimo se, da je praštevilo število, ki je deljivo samo s samim seboj in z enico. Program naj uporabnika vpraša po številu a in nato preveri, če je število a.</a:t>
+            </a:r>
+          </a:p>
+        </p:txBody>
+      </p:sp>
+    </p:spTree>
+    <p:extLst>
+      <p:ext uri="{BB962C8B-B14F-4D97-AF65-F5344CB8AC3E}">
+        <p14:creationId xmlns:p14="http://schemas.microsoft.com/office/powerpoint/2010/main" val="3455304819"/>
+      </p:ext>
+    </p:extLst>
+  </p:cSld>
+  <p:clrMapOvr>
+    <a:masterClrMapping/>
+  </p:clrMapOvr>
+</p:sld>
+</file>
+
+<file path=ppt/slides/slide14.xml><?xml version="1.0" encoding="utf-8"?>
+<p:sld xmlns:a="http://schemas.openxmlformats.org/drawingml/2006/main" xmlns:r="http://schemas.openxmlformats.org/officeDocument/2006/relationships" xmlns:p="http://schemas.openxmlformats.org/presentationml/2006/main">
+  <p:cSld>
+    <p:spTree>
+      <p:nvGrpSpPr>
+        <p:cNvPr id="1" name=""/>
+        <p:cNvGrpSpPr/>
+        <p:nvPr/>
+      </p:nvGrpSpPr>
+      <p:grpSpPr>
+        <a:xfrm>
+          <a:off x="0" y="0"/>
+          <a:ext cx="0" cy="0"/>
+          <a:chOff x="0" y="0"/>
+          <a:chExt cx="0" cy="0"/>
+        </a:xfrm>
+      </p:grpSpPr>
       <p:sp>
         <p:nvSpPr>
           <p:cNvPr id="8" name="PoljeZBesedilom 7">
@@ -4824,7 +5683,150 @@
 </p:sld>
 </file>
 
-<file path=ppt/slides/slide11.xml><?xml version="1.0" encoding="utf-8"?>
+<file path=ppt/slides/slide15.xml><?xml version="1.0" encoding="utf-8"?>
+<p:sld xmlns:a="http://schemas.openxmlformats.org/drawingml/2006/main" xmlns:r="http://schemas.openxmlformats.org/officeDocument/2006/relationships" xmlns:p="http://schemas.openxmlformats.org/presentationml/2006/main">
+  <p:cSld>
+    <p:spTree>
+      <p:nvGrpSpPr>
+        <p:cNvPr id="1" name="">
+          <a:extLst>
+            <a:ext uri="{FF2B5EF4-FFF2-40B4-BE49-F238E27FC236}">
+              <a16:creationId xmlns:a16="http://schemas.microsoft.com/office/drawing/2014/main" id="{6D80C705-8340-4FE4-C053-16B5B07ADABE}"/>
+            </a:ext>
+          </a:extLst>
+        </p:cNvPr>
+        <p:cNvGrpSpPr/>
+        <p:nvPr/>
+      </p:nvGrpSpPr>
+      <p:grpSpPr>
+        <a:xfrm>
+          <a:off x="0" y="0"/>
+          <a:ext cx="0" cy="0"/>
+          <a:chOff x="0" y="0"/>
+          <a:chExt cx="0" cy="0"/>
+        </a:xfrm>
+      </p:grpSpPr>
+      <p:sp>
+        <p:nvSpPr>
+          <p:cNvPr id="6" name="Naslov 1">
+            <a:extLst>
+              <a:ext uri="{FF2B5EF4-FFF2-40B4-BE49-F238E27FC236}">
+                <a16:creationId xmlns:a16="http://schemas.microsoft.com/office/drawing/2014/main" id="{B8803229-16F7-58C2-FB58-B1E09AE426F4}"/>
+              </a:ext>
+            </a:extLst>
+          </p:cNvPr>
+          <p:cNvSpPr>
+            <a:spLocks noGrp="1"/>
+          </p:cNvSpPr>
+          <p:nvPr>
+            <p:ph type="title"/>
+          </p:nvPr>
+        </p:nvSpPr>
+        <p:spPr>
+          <a:xfrm>
+            <a:off x="0" y="-26220"/>
+            <a:ext cx="12192000" cy="659262"/>
+          </a:xfrm>
+          <a:solidFill>
+            <a:schemeClr val="accent2"/>
+          </a:solidFill>
+        </p:spPr>
+        <p:txBody>
+          <a:bodyPr>
+            <a:normAutofit fontScale="90000"/>
+          </a:bodyPr>
+          <a:lstStyle/>
+          <a:p>
+            <a:r>
+              <a:rPr lang="sl-SI" dirty="0"/>
+              <a:t>Primer 5</a:t>
+            </a:r>
+            <a:endParaRPr lang="en-US" dirty="0"/>
+          </a:p>
+        </p:txBody>
+      </p:sp>
+      <p:sp>
+        <p:nvSpPr>
+          <p:cNvPr id="8" name="PoljeZBesedilom 7">
+            <a:extLst>
+              <a:ext uri="{FF2B5EF4-FFF2-40B4-BE49-F238E27FC236}">
+                <a16:creationId xmlns:a16="http://schemas.microsoft.com/office/drawing/2014/main" id="{CFEE898C-32A5-7934-12AD-AEDFF4E86166}"/>
+              </a:ext>
+            </a:extLst>
+          </p:cNvPr>
+          <p:cNvSpPr txBox="1"/>
+          <p:nvPr/>
+        </p:nvSpPr>
+        <p:spPr>
+          <a:xfrm>
+            <a:off x="0" y="2644170"/>
+            <a:ext cx="12192000" cy="1569660"/>
+          </a:xfrm>
+          <a:prstGeom prst="rect">
+            <a:avLst/>
+          </a:prstGeom>
+          <a:noFill/>
+        </p:spPr>
+        <p:txBody>
+          <a:bodyPr wrap="square">
+            <a:spAutoFit/>
+          </a:bodyPr>
+          <a:lstStyle/>
+          <a:p>
+            <a:pPr algn="ctr"/>
+            <a:r>
+              <a:rPr lang="sl-SI" sz="2400" b="0" i="0" dirty="0">
+                <a:effectLst/>
+                <a:latin typeface="-apple-system"/>
+              </a:rPr>
+              <a:t>Ustvarite si pomožno datoteko </a:t>
+            </a:r>
+            <a:r>
+              <a:rPr lang="sl-SI" sz="2400" b="1" i="0" dirty="0" err="1">
+                <a:effectLst/>
+                <a:latin typeface="-apple-system"/>
+              </a:rPr>
+              <a:t>funkcije.h</a:t>
+            </a:r>
+            <a:r>
+              <a:rPr lang="sl-SI" sz="2400" b="0" i="0" dirty="0">
+                <a:effectLst/>
+                <a:latin typeface="-apple-system"/>
+              </a:rPr>
+              <a:t> in v njej definirajte funkcije za izračun površine in volumna krogle. Nato v glavni datoteki </a:t>
+            </a:r>
+            <a:r>
+              <a:rPr lang="sl-SI" sz="2400" b="1" i="0" dirty="0">
+                <a:effectLst/>
+                <a:latin typeface="-apple-system"/>
+              </a:rPr>
+              <a:t>main.cpp</a:t>
+            </a:r>
+            <a:r>
+              <a:rPr lang="sl-SI" sz="2400" b="0" i="0" dirty="0">
+                <a:effectLst/>
+                <a:latin typeface="-apple-system"/>
+              </a:rPr>
+              <a:t> vključite to datoteko in uporabite funkciji za izračun površine in volumna krogle. Razmislite kakšne spremenljivke potrebujete za izračun površine in volumna krogle ter jih ustrezno definirajte.</a:t>
+            </a:r>
+            <a:endParaRPr lang="en-US" sz="2400" dirty="0"/>
+          </a:p>
+        </p:txBody>
+      </p:sp>
+    </p:spTree>
+    <p:extLst>
+      <p:ext uri="{BB962C8B-B14F-4D97-AF65-F5344CB8AC3E}">
+        <p14:creationId xmlns:p14="http://schemas.microsoft.com/office/powerpoint/2010/main" val="1663342257"/>
+      </p:ext>
+    </p:extLst>
+  </p:cSld>
+  <p:clrMapOvr>
+    <a:masterClrMapping/>
+  </p:clrMapOvr>
+</p:sld>
+</file>
+
+<file path=ppt/slides/slide16.xml><?xml version="1.0" encoding="utf-8"?>
 <p:sld xmlns:a="http://schemas.openxmlformats.org/drawingml/2006/main" xmlns:r="http://schemas.openxmlformats.org/officeDocument/2006/relationships" xmlns:p="http://schemas.openxmlformats.org/presentationml/2006/main">
   <p:cSld>
     <p:spTree>
@@ -5021,7 +6023,7 @@
 </p:sld>
 </file>
 
-<file path=ppt/slides/slide12.xml><?xml version="1.0" encoding="utf-8"?>
+<file path=ppt/slides/slide17.xml><?xml version="1.0" encoding="utf-8"?>
 <p:sld xmlns:a="http://schemas.openxmlformats.org/drawingml/2006/main" xmlns:r="http://schemas.openxmlformats.org/officeDocument/2006/relationships" xmlns:p="http://schemas.openxmlformats.org/presentationml/2006/main">
   <p:cSld>
     <p:bg>
@@ -6159,6 +7161,177 @@
   <p:cSld>
     <p:spTree>
       <p:nvGrpSpPr>
+        <p:cNvPr id="1" name="">
+          <a:extLst>
+            <a:ext uri="{FF2B5EF4-FFF2-40B4-BE49-F238E27FC236}">
+              <a16:creationId xmlns:a16="http://schemas.microsoft.com/office/drawing/2014/main" id="{C5C93B44-E3C3-77D3-8BDB-F515DF6E44EF}"/>
+            </a:ext>
+          </a:extLst>
+        </p:cNvPr>
+        <p:cNvGrpSpPr/>
+        <p:nvPr/>
+      </p:nvGrpSpPr>
+      <p:grpSpPr>
+        <a:xfrm>
+          <a:off x="0" y="0"/>
+          <a:ext cx="0" cy="0"/>
+          <a:chOff x="0" y="0"/>
+          <a:chExt cx="0" cy="0"/>
+        </a:xfrm>
+      </p:grpSpPr>
+      <p:sp>
+        <p:nvSpPr>
+          <p:cNvPr id="2" name="Naslov 1">
+            <a:extLst>
+              <a:ext uri="{FF2B5EF4-FFF2-40B4-BE49-F238E27FC236}">
+                <a16:creationId xmlns:a16="http://schemas.microsoft.com/office/drawing/2014/main" id="{CDA5AEA7-CE30-4901-6B78-55CF7AA954B7}"/>
+              </a:ext>
+            </a:extLst>
+          </p:cNvPr>
+          <p:cNvSpPr>
+            <a:spLocks noGrp="1"/>
+          </p:cNvSpPr>
+          <p:nvPr>
+            <p:ph type="title"/>
+          </p:nvPr>
+        </p:nvSpPr>
+        <p:spPr>
+          <a:xfrm>
+            <a:off x="0" y="-26220"/>
+            <a:ext cx="12192000" cy="659262"/>
+          </a:xfrm>
+          <a:solidFill>
+            <a:schemeClr val="accent2"/>
+          </a:solidFill>
+        </p:spPr>
+        <p:txBody>
+          <a:bodyPr>
+            <a:normAutofit fontScale="90000"/>
+          </a:bodyPr>
+          <a:lstStyle/>
+          <a:p>
+            <a:r>
+              <a:rPr lang="sl-SI" dirty="0"/>
+              <a:t>Primer 1</a:t>
+            </a:r>
+            <a:endParaRPr lang="en-US" dirty="0"/>
+          </a:p>
+        </p:txBody>
+      </p:sp>
+      <p:sp>
+        <p:nvSpPr>
+          <p:cNvPr id="14" name="PoljeZBesedilom 13">
+            <a:extLst>
+              <a:ext uri="{FF2B5EF4-FFF2-40B4-BE49-F238E27FC236}">
+                <a16:creationId xmlns:a16="http://schemas.microsoft.com/office/drawing/2014/main" id="{C0F3468C-404C-137A-62B3-628B8F557FE5}"/>
+              </a:ext>
+            </a:extLst>
+          </p:cNvPr>
+          <p:cNvSpPr txBox="1"/>
+          <p:nvPr/>
+        </p:nvSpPr>
+        <p:spPr>
+          <a:xfrm>
+            <a:off x="1414272" y="2997815"/>
+            <a:ext cx="9363456" cy="1384995"/>
+          </a:xfrm>
+          <a:prstGeom prst="rect">
+            <a:avLst/>
+          </a:prstGeom>
+          <a:noFill/>
+        </p:spPr>
+        <p:txBody>
+          <a:bodyPr wrap="square">
+            <a:spAutoFit/>
+          </a:bodyPr>
+          <a:lstStyle/>
+          <a:p>
+            <a:pPr algn="ctr"/>
+            <a:r>
+              <a:rPr lang="sl-SI" sz="2800" b="0" i="0" dirty="0">
+                <a:effectLst/>
+                <a:latin typeface="-apple-system"/>
+              </a:rPr>
+              <a:t>Ustvari kodo, kjer boste definirali spremenljivke x, j, n in s. Tem spremenljivkam pa boste dodelili tip </a:t>
+            </a:r>
+            <a:r>
+              <a:rPr lang="sl-SI" sz="2800" b="0" i="0" dirty="0" err="1">
+                <a:effectLst/>
+                <a:latin typeface="-apple-system"/>
+              </a:rPr>
+              <a:t>double</a:t>
+            </a:r>
+            <a:r>
+              <a:rPr lang="sl-SI" sz="2800" b="0" i="0" dirty="0">
+                <a:effectLst/>
+                <a:latin typeface="-apple-system"/>
+              </a:rPr>
+              <a:t>, </a:t>
+            </a:r>
+            <a:r>
+              <a:rPr lang="sl-SI" sz="2800" b="0" i="0" dirty="0" err="1">
+                <a:effectLst/>
+                <a:latin typeface="-apple-system"/>
+              </a:rPr>
+              <a:t>int</a:t>
+            </a:r>
+            <a:r>
+              <a:rPr lang="sl-SI" sz="2800" b="0" i="0" dirty="0">
+                <a:effectLst/>
+                <a:latin typeface="-apple-system"/>
+              </a:rPr>
+              <a:t>, </a:t>
+            </a:r>
+            <a:r>
+              <a:rPr lang="sl-SI" sz="2800" b="0" i="0" dirty="0" err="1">
+                <a:effectLst/>
+                <a:latin typeface="-apple-system"/>
+              </a:rPr>
+              <a:t>char</a:t>
+            </a:r>
+            <a:r>
+              <a:rPr lang="sl-SI" sz="2800" b="0" i="0" dirty="0">
+                <a:effectLst/>
+                <a:latin typeface="-apple-system"/>
+              </a:rPr>
+              <a:t> in </a:t>
+            </a:r>
+            <a:r>
+              <a:rPr lang="sl-SI" sz="2800" b="0" i="0" dirty="0" err="1">
+                <a:effectLst/>
+                <a:latin typeface="-apple-system"/>
+              </a:rPr>
+              <a:t>bool</a:t>
+            </a:r>
+            <a:r>
+              <a:rPr lang="sl-SI" sz="2800" b="0" i="0" dirty="0">
+                <a:effectLst/>
+                <a:latin typeface="-apple-system"/>
+              </a:rPr>
+              <a:t>. Nato izpišite vrednosti teh spremenljivk.</a:t>
+            </a:r>
+            <a:endParaRPr lang="en-US" sz="2800" dirty="0"/>
+          </a:p>
+        </p:txBody>
+      </p:sp>
+    </p:spTree>
+    <p:extLst>
+      <p:ext uri="{BB962C8B-B14F-4D97-AF65-F5344CB8AC3E}">
+        <p14:creationId xmlns:p14="http://schemas.microsoft.com/office/powerpoint/2010/main" val="2246499285"/>
+      </p:ext>
+    </p:extLst>
+  </p:cSld>
+  <p:clrMapOvr>
+    <a:masterClrMapping/>
+  </p:clrMapOvr>
+</p:sld>
+</file>
+
+<file path=ppt/slides/slide8.xml><?xml version="1.0" encoding="utf-8"?>
+<p:sld xmlns:a="http://schemas.openxmlformats.org/drawingml/2006/main" xmlns:r="http://schemas.openxmlformats.org/officeDocument/2006/relationships" xmlns:p="http://schemas.openxmlformats.org/presentationml/2006/main">
+  <p:cSld>
+    <p:spTree>
+      <p:nvGrpSpPr>
         <p:cNvPr id="1" name=""/>
         <p:cNvGrpSpPr/>
         <p:nvPr/>
@@ -7094,12 +8267,18 @@
 </p:sld>
 </file>
 
-<file path=ppt/slides/slide8.xml><?xml version="1.0" encoding="utf-8"?>
+<file path=ppt/slides/slide9.xml><?xml version="1.0" encoding="utf-8"?>
 <p:sld xmlns:a="http://schemas.openxmlformats.org/drawingml/2006/main" xmlns:r="http://schemas.openxmlformats.org/officeDocument/2006/relationships" xmlns:p="http://schemas.openxmlformats.org/presentationml/2006/main">
   <p:cSld>
     <p:spTree>
       <p:nvGrpSpPr>
-        <p:cNvPr id="1" name=""/>
+        <p:cNvPr id="1" name="">
+          <a:extLst>
+            <a:ext uri="{FF2B5EF4-FFF2-40B4-BE49-F238E27FC236}">
+              <a16:creationId xmlns:a16="http://schemas.microsoft.com/office/drawing/2014/main" id="{D2730724-C9DD-5F0A-B0FB-43AA78539E3F}"/>
+            </a:ext>
+          </a:extLst>
+        </p:cNvPr>
         <p:cNvGrpSpPr/>
         <p:nvPr/>
       </p:nvGrpSpPr>
@@ -7111,32 +8290,15 @@
           <a:chExt cx="0" cy="0"/>
         </a:xfrm>
       </p:grpSpPr>
-      <p:pic>
-        <p:nvPicPr>
-          <p:cNvPr id="4" name="Slika 3"/>
-          <p:cNvPicPr>
-            <a:picLocks noChangeAspect="1"/>
-          </p:cNvPicPr>
-          <p:nvPr/>
-        </p:nvPicPr>
-        <p:blipFill rotWithShape="1">
-          <a:blip r:embed="rId2"/>
-          <a:srcRect l="16440" t="12231" r="51270" b="61501"/>
-          <a:stretch/>
-        </p:blipFill>
-        <p:spPr>
-          <a:xfrm>
-            <a:off x="209489" y="1848978"/>
-            <a:ext cx="8332021" cy="4236225"/>
-          </a:xfrm>
-          <a:prstGeom prst="rect">
-            <a:avLst/>
-          </a:prstGeom>
-        </p:spPr>
-      </p:pic>
-      <p:sp>
-        <p:nvSpPr>
-          <p:cNvPr id="5" name="Naslov 1"/>
+      <p:sp>
+        <p:nvSpPr>
+          <p:cNvPr id="5" name="Naslov 1">
+            <a:extLst>
+              <a:ext uri="{FF2B5EF4-FFF2-40B4-BE49-F238E27FC236}">
+                <a16:creationId xmlns:a16="http://schemas.microsoft.com/office/drawing/2014/main" id="{B5B9D901-AB94-7DD0-7E2B-75E7CBE345CA}"/>
+              </a:ext>
+            </a:extLst>
+          </p:cNvPr>
           <p:cNvSpPr txBox="1">
             <a:spLocks/>
           </p:cNvSpPr>
@@ -7211,7 +8373,7 @@
           <p:cNvPr id="7" name="Naslov 1">
             <a:extLst>
               <a:ext uri="{FF2B5EF4-FFF2-40B4-BE49-F238E27FC236}">
-                <a16:creationId xmlns:a16="http://schemas.microsoft.com/office/drawing/2014/main" id="{7E480578-DA12-8538-3CA5-584F9288F3DA}"/>
+                <a16:creationId xmlns:a16="http://schemas.microsoft.com/office/drawing/2014/main" id="{A234A00E-2791-F2FA-EC4D-101B174130FA}"/>
               </a:ext>
             </a:extLst>
           </p:cNvPr>
@@ -7250,7 +8412,7 @@
           <p:cNvPr id="9" name="PoljeZBesedilom 8">
             <a:extLst>
               <a:ext uri="{FF2B5EF4-FFF2-40B4-BE49-F238E27FC236}">
-                <a16:creationId xmlns:a16="http://schemas.microsoft.com/office/drawing/2014/main" id="{D6CE649F-FF3E-3346-FE09-41D5BDB0D148}"/>
+                <a16:creationId xmlns:a16="http://schemas.microsoft.com/office/drawing/2014/main" id="{734084F9-BC42-6454-5086-C1E0B7B3DAD3}"/>
               </a:ext>
             </a:extLst>
           </p:cNvPr>
@@ -7260,7 +8422,7 @@
         <p:spPr>
           <a:xfrm>
             <a:off x="20512" y="779345"/>
-            <a:ext cx="12171488" cy="923330"/>
+            <a:ext cx="12171488" cy="1200329"/>
           </a:xfrm>
           <a:prstGeom prst="rect">
             <a:avLst/>
@@ -7275,350 +8437,174 @@
           <a:p>
             <a:pPr algn="ctr"/>
             <a:r>
-              <a:rPr lang="sl-SI" b="0" i="0" dirty="0">
+              <a:rPr lang="sl-SI" sz="2400" b="0" i="0" dirty="0">
                 <a:effectLst/>
                 <a:latin typeface="-apple-system"/>
               </a:rPr>
               <a:t>Za </a:t>
             </a:r>
             <a:r>
-              <a:rPr lang="sl-SI" b="0" i="0" dirty="0" err="1">
+              <a:rPr lang="sl-SI" sz="2400" b="0" i="0" dirty="0" err="1">
                 <a:effectLst/>
                 <a:latin typeface="-apple-system"/>
               </a:rPr>
               <a:t>char</a:t>
             </a:r>
             <a:r>
-              <a:rPr lang="sl-SI" b="0" i="0" dirty="0">
+              <a:rPr lang="sl-SI" sz="2400" b="0" i="0" dirty="0">
                 <a:effectLst/>
                 <a:latin typeface="-apple-system"/>
               </a:rPr>
               <a:t>, </a:t>
             </a:r>
             <a:r>
-              <a:rPr lang="sl-SI" b="0" i="0" dirty="0" err="1">
+              <a:rPr lang="sl-SI" sz="2400" b="0" i="0" dirty="0" err="1">
                 <a:effectLst/>
                 <a:latin typeface="-apple-system"/>
               </a:rPr>
               <a:t>int</a:t>
             </a:r>
             <a:r>
-              <a:rPr lang="sl-SI" b="0" i="0" dirty="0">
+              <a:rPr lang="sl-SI" sz="2400" b="0" i="0" dirty="0">
                 <a:effectLst/>
                 <a:latin typeface="-apple-system"/>
               </a:rPr>
               <a:t>, </a:t>
             </a:r>
             <a:r>
-              <a:rPr lang="sl-SI" b="0" i="0" dirty="0" err="1">
+              <a:rPr lang="sl-SI" sz="2400" b="0" i="0" dirty="0" err="1">
                 <a:effectLst/>
                 <a:latin typeface="-apple-system"/>
               </a:rPr>
               <a:t>short</a:t>
             </a:r>
             <a:r>
-              <a:rPr lang="sl-SI" b="0" i="0" dirty="0">
+              <a:rPr lang="sl-SI" sz="2400" b="0" i="0" dirty="0">
                 <a:effectLst/>
                 <a:latin typeface="-apple-system"/>
               </a:rPr>
               <a:t> </a:t>
             </a:r>
             <a:r>
-              <a:rPr lang="sl-SI" b="0" i="0" dirty="0" err="1">
+              <a:rPr lang="sl-SI" sz="2400" b="0" i="0" dirty="0" err="1">
                 <a:effectLst/>
                 <a:latin typeface="-apple-system"/>
               </a:rPr>
               <a:t>int</a:t>
             </a:r>
             <a:r>
-              <a:rPr lang="sl-SI" b="0" i="0" dirty="0">
+              <a:rPr lang="sl-SI" sz="2400" b="0" i="0" dirty="0">
                 <a:effectLst/>
                 <a:latin typeface="-apple-system"/>
               </a:rPr>
               <a:t>, </a:t>
             </a:r>
             <a:r>
-              <a:rPr lang="sl-SI" b="0" i="0" dirty="0" err="1">
+              <a:rPr lang="sl-SI" sz="2400" b="0" i="0" dirty="0" err="1">
                 <a:effectLst/>
                 <a:latin typeface="-apple-system"/>
               </a:rPr>
               <a:t>long</a:t>
             </a:r>
             <a:r>
-              <a:rPr lang="sl-SI" b="0" i="0" dirty="0">
+              <a:rPr lang="sl-SI" sz="2400" b="0" i="0" dirty="0">
                 <a:effectLst/>
                 <a:latin typeface="-apple-system"/>
               </a:rPr>
               <a:t> </a:t>
             </a:r>
             <a:r>
-              <a:rPr lang="sl-SI" b="0" i="0" dirty="0" err="1">
+              <a:rPr lang="sl-SI" sz="2400" b="0" i="0" dirty="0" err="1">
                 <a:effectLst/>
                 <a:latin typeface="-apple-system"/>
               </a:rPr>
               <a:t>int</a:t>
             </a:r>
             <a:r>
-              <a:rPr lang="sl-SI" b="0" i="0" dirty="0">
+              <a:rPr lang="sl-SI" sz="2400" b="0" i="0" dirty="0">
                 <a:effectLst/>
                 <a:latin typeface="-apple-system"/>
               </a:rPr>
               <a:t>, </a:t>
             </a:r>
             <a:r>
-              <a:rPr lang="sl-SI" b="0" i="0" dirty="0" err="1">
+              <a:rPr lang="sl-SI" sz="2400" b="0" i="0" dirty="0" err="1">
                 <a:effectLst/>
                 <a:latin typeface="-apple-system"/>
               </a:rPr>
               <a:t>float</a:t>
             </a:r>
             <a:r>
-              <a:rPr lang="sl-SI" b="0" i="0" dirty="0">
+              <a:rPr lang="sl-SI" sz="2400" b="0" i="0" dirty="0">
                 <a:effectLst/>
                 <a:latin typeface="-apple-system"/>
               </a:rPr>
               <a:t>, </a:t>
             </a:r>
             <a:r>
-              <a:rPr lang="sl-SI" b="0" i="0" dirty="0" err="1">
+              <a:rPr lang="sl-SI" sz="2400" b="0" i="0" dirty="0" err="1">
                 <a:effectLst/>
                 <a:latin typeface="-apple-system"/>
               </a:rPr>
               <a:t>double</a:t>
             </a:r>
             <a:r>
-              <a:rPr lang="sl-SI" b="0" i="0" dirty="0">
+              <a:rPr lang="sl-SI" sz="2400" b="0" i="0" dirty="0">
                 <a:effectLst/>
                 <a:latin typeface="-apple-system"/>
               </a:rPr>
               <a:t>, </a:t>
             </a:r>
             <a:r>
-              <a:rPr lang="sl-SI" b="0" i="0" dirty="0" err="1">
+              <a:rPr lang="sl-SI" sz="2400" b="0" i="0" dirty="0" err="1">
                 <a:effectLst/>
                 <a:latin typeface="-apple-system"/>
               </a:rPr>
               <a:t>long</a:t>
             </a:r>
             <a:r>
-              <a:rPr lang="sl-SI" b="0" i="0" dirty="0">
+              <a:rPr lang="sl-SI" sz="2400" b="0" i="0" dirty="0">
                 <a:effectLst/>
                 <a:latin typeface="-apple-system"/>
               </a:rPr>
               <a:t> </a:t>
             </a:r>
             <a:r>
-              <a:rPr lang="sl-SI" b="0" i="0" dirty="0" err="1">
+              <a:rPr lang="sl-SI" sz="2400" b="0" i="0" dirty="0" err="1">
                 <a:effectLst/>
                 <a:latin typeface="-apple-system"/>
               </a:rPr>
               <a:t>double</a:t>
             </a:r>
             <a:r>
-              <a:rPr lang="sl-SI" b="0" i="0" dirty="0">
+              <a:rPr lang="sl-SI" sz="2400" b="0" i="0" dirty="0">
                 <a:effectLst/>
                 <a:latin typeface="-apple-system"/>
               </a:rPr>
               <a:t> in </a:t>
             </a:r>
             <a:r>
-              <a:rPr lang="sl-SI" b="0" i="0" dirty="0" err="1">
+              <a:rPr lang="sl-SI" sz="2400" b="0" i="0" dirty="0" err="1">
                 <a:effectLst/>
                 <a:latin typeface="-apple-system"/>
               </a:rPr>
               <a:t>bool</a:t>
             </a:r>
             <a:r>
-              <a:rPr lang="sl-SI" b="0" i="0" dirty="0">
+              <a:rPr lang="sl-SI" sz="2400" b="0" i="0" dirty="0">
                 <a:effectLst/>
                 <a:latin typeface="-apple-system"/>
               </a:rPr>
               <a:t> tip spremenljivk izpišite koliko delavnega prostora zasedejo v pomnilniku. Za vsako spremenljivko nato določite, koliko delavnega polnilnika bi potrebovali, če bi hoteli shraniti 1_000_000_000 takšnih vrednosti.</a:t>
             </a:r>
-            <a:endParaRPr lang="en-US" dirty="0"/>
+            <a:endParaRPr lang="en-US" sz="2400" dirty="0"/>
           </a:p>
         </p:txBody>
       </p:sp>
     </p:spTree>
     <p:extLst>
       <p:ext uri="{BB962C8B-B14F-4D97-AF65-F5344CB8AC3E}">
-        <p14:creationId xmlns:p14="http://schemas.microsoft.com/office/powerpoint/2010/main" val="3204560345"/>
-      </p:ext>
-    </p:extLst>
-  </p:cSld>
-  <p:clrMapOvr>
-    <a:masterClrMapping/>
-  </p:clrMapOvr>
-</p:sld>
-</file>
-
-<file path=ppt/slides/slide9.xml><?xml version="1.0" encoding="utf-8"?>
-<p:sld xmlns:a="http://schemas.openxmlformats.org/drawingml/2006/main" xmlns:r="http://schemas.openxmlformats.org/officeDocument/2006/relationships" xmlns:p="http://schemas.openxmlformats.org/presentationml/2006/main">
-  <p:cSld>
-    <p:spTree>
-      <p:nvGrpSpPr>
-        <p:cNvPr id="1" name=""/>
-        <p:cNvGrpSpPr/>
-        <p:nvPr/>
-      </p:nvGrpSpPr>
-      <p:grpSpPr>
-        <a:xfrm>
-          <a:off x="0" y="0"/>
-          <a:ext cx="0" cy="0"/>
-          <a:chOff x="0" y="0"/>
-          <a:chExt cx="0" cy="0"/>
-        </a:xfrm>
-      </p:grpSpPr>
-      <p:pic>
-        <p:nvPicPr>
-          <p:cNvPr id="4" name="Slika 3"/>
-          <p:cNvPicPr>
-            <a:picLocks noChangeAspect="1"/>
-          </p:cNvPicPr>
-          <p:nvPr/>
-        </p:nvPicPr>
-        <p:blipFill rotWithShape="1">
-          <a:blip r:embed="rId2"/>
-          <a:srcRect l="16803" t="12376" r="70045" b="58599"/>
-          <a:stretch/>
-        </p:blipFill>
-        <p:spPr>
-          <a:xfrm>
-            <a:off x="7327392" y="1157500"/>
-            <a:ext cx="3835909" cy="5290907"/>
-          </a:xfrm>
-          <a:prstGeom prst="rect">
-            <a:avLst/>
-          </a:prstGeom>
-        </p:spPr>
-      </p:pic>
-      <p:sp>
-        <p:nvSpPr>
-          <p:cNvPr id="9" name="Naslov 1">
-            <a:extLst>
-              <a:ext uri="{FF2B5EF4-FFF2-40B4-BE49-F238E27FC236}">
-                <a16:creationId xmlns:a16="http://schemas.microsoft.com/office/drawing/2014/main" id="{EEF59AD4-1260-908B-8656-8C200FB30295}"/>
-              </a:ext>
-            </a:extLst>
-          </p:cNvPr>
-          <p:cNvSpPr>
-            <a:spLocks noGrp="1"/>
-          </p:cNvSpPr>
-          <p:nvPr>
-            <p:ph type="title"/>
-          </p:nvPr>
-        </p:nvSpPr>
-        <p:spPr>
-          <a:xfrm>
-            <a:off x="0" y="-26220"/>
-            <a:ext cx="12192000" cy="659262"/>
-          </a:xfrm>
-          <a:solidFill>
-            <a:schemeClr val="accent2"/>
-          </a:solidFill>
-        </p:spPr>
-        <p:txBody>
-          <a:bodyPr>
-            <a:normAutofit fontScale="90000"/>
-          </a:bodyPr>
-          <a:lstStyle/>
-          <a:p>
-            <a:r>
-              <a:rPr lang="sl-SI" dirty="0"/>
-              <a:t>Primer 3</a:t>
-            </a:r>
-            <a:endParaRPr lang="en-US" dirty="0"/>
-          </a:p>
-        </p:txBody>
-      </p:sp>
-      <p:sp>
-        <p:nvSpPr>
-          <p:cNvPr id="14" name="PoljeZBesedilom 13">
-            <a:extLst>
-              <a:ext uri="{FF2B5EF4-FFF2-40B4-BE49-F238E27FC236}">
-                <a16:creationId xmlns:a16="http://schemas.microsoft.com/office/drawing/2014/main" id="{6C35F737-10F2-42CB-1EDA-16DFE7EE1579}"/>
-              </a:ext>
-            </a:extLst>
-          </p:cNvPr>
-          <p:cNvSpPr txBox="1"/>
-          <p:nvPr/>
-        </p:nvSpPr>
-        <p:spPr>
-          <a:xfrm>
-            <a:off x="554736" y="2787290"/>
-            <a:ext cx="6205728" cy="2031325"/>
-          </a:xfrm>
-          <a:prstGeom prst="rect">
-            <a:avLst/>
-          </a:prstGeom>
-          <a:noFill/>
-        </p:spPr>
-        <p:txBody>
-          <a:bodyPr wrap="square">
-            <a:spAutoFit/>
-          </a:bodyPr>
-          <a:lstStyle/>
-          <a:p>
-            <a:pPr algn="l"/>
-            <a:r>
-              <a:rPr lang="sl-SI" b="0" i="0" dirty="0">
-                <a:effectLst/>
-                <a:latin typeface="-apple-system"/>
-              </a:rPr>
-              <a:t>Ustvarite zanko </a:t>
-            </a:r>
-            <a:r>
-              <a:rPr lang="sl-SI" b="1" i="0" dirty="0" err="1">
-                <a:effectLst/>
-                <a:latin typeface="-apple-system"/>
-              </a:rPr>
-              <a:t>for</a:t>
-            </a:r>
-            <a:r>
-              <a:rPr lang="sl-SI" b="0" i="0" dirty="0">
-                <a:effectLst/>
-                <a:latin typeface="-apple-system"/>
-              </a:rPr>
-              <a:t> ki bo števec i povečevala od vrednosti 0 do vrednosti 100 po korakih 1. V vsakem koraku naj se izpiše vrednost števca i.</a:t>
-            </a:r>
-          </a:p>
-          <a:p>
-            <a:pPr algn="l"/>
-            <a:endParaRPr lang="sl-SI" b="0" i="0" dirty="0">
-              <a:effectLst/>
-              <a:latin typeface="-apple-system"/>
-            </a:endParaRPr>
-          </a:p>
-          <a:p>
-            <a:pPr algn="l"/>
-            <a:r>
-              <a:rPr lang="sl-SI" b="0" i="0" dirty="0">
-                <a:effectLst/>
-                <a:latin typeface="-apple-system"/>
-              </a:rPr>
-              <a:t>Ustvarite zanko </a:t>
-            </a:r>
-            <a:r>
-              <a:rPr lang="sl-SI" b="1" i="0" dirty="0" err="1">
-                <a:effectLst/>
-                <a:latin typeface="-apple-system"/>
-              </a:rPr>
-              <a:t>while</a:t>
-            </a:r>
-            <a:r>
-              <a:rPr lang="sl-SI" b="0" i="0" dirty="0">
-                <a:effectLst/>
-                <a:latin typeface="-apple-system"/>
-              </a:rPr>
-              <a:t>, ki bo števec i povečevala od vrednosti 0 do vrednosti 100 po korakih 2. V vsakem koraku naj se izpiše vrednost števca i.</a:t>
-            </a:r>
-          </a:p>
-        </p:txBody>
-      </p:sp>
-    </p:spTree>
-    <p:extLst>
-      <p:ext uri="{BB962C8B-B14F-4D97-AF65-F5344CB8AC3E}">
-        <p14:creationId xmlns:p14="http://schemas.microsoft.com/office/powerpoint/2010/main" val="3867496803"/>
+        <p14:creationId xmlns:p14="http://schemas.microsoft.com/office/powerpoint/2010/main" val="2909204473"/>
       </p:ext>
     </p:extLst>
   </p:cSld>
@@ -7890,21 +8876,6 @@
 </file>
 
 <file path=customXml/item1.xml><?xml version="1.0" encoding="utf-8"?>
-<p:properties xmlns:p="http://schemas.microsoft.com/office/2006/metadata/properties" xmlns:xsi="http://www.w3.org/2001/XMLSchema-instance" xmlns:pc="http://schemas.microsoft.com/office/infopath/2007/PartnerControls">
-  <documentManagement/>
-</p:properties>
-</file>
-
-<file path=customXml/item2.xml><?xml version="1.0" encoding="utf-8"?>
-<?mso-contentType ?>
-<FormTemplates xmlns="http://schemas.microsoft.com/sharepoint/v3/contenttype/forms">
-  <Display>DocumentLibraryForm</Display>
-  <Edit>DocumentLibraryForm</Edit>
-  <New>DocumentLibraryForm</New>
-</FormTemplates>
-</file>
-
-<file path=customXml/item3.xml><?xml version="1.0" encoding="utf-8"?>
 <ct:contentTypeSchema xmlns:ct="http://schemas.microsoft.com/office/2006/metadata/contentType" xmlns:ma="http://schemas.microsoft.com/office/2006/metadata/properties/metaAttributes" ct:_="" ma:_="" ma:contentTypeName="Dokument" ma:contentTypeID="0x010100841982B54D271144881CC44BC406B464" ma:contentTypeVersion="0" ma:contentTypeDescription="Ustvari nov dokument." ma:contentTypeScope="" ma:versionID="86099df9172da2f691735cb32ffb09bf">
   <xsd:schema xmlns:xsd="http://www.w3.org/2001/XMLSchema" xmlns:xs="http://www.w3.org/2001/XMLSchema" xmlns:p="http://schemas.microsoft.com/office/2006/metadata/properties" targetNamespace="http://schemas.microsoft.com/office/2006/metadata/properties" ma:root="true" ma:fieldsID="dfe818e0d49b97434f34ae21df0856ea">
     <xsd:element name="properties">
@@ -8018,10 +8989,32 @@
 </ct:contentTypeSchema>
 </file>
 
+<file path=customXml/item2.xml><?xml version="1.0" encoding="utf-8"?>
+<?mso-contentType ?>
+<FormTemplates xmlns="http://schemas.microsoft.com/sharepoint/v3/contenttype/forms">
+  <Display>DocumentLibraryForm</Display>
+  <Edit>DocumentLibraryForm</Edit>
+  <New>DocumentLibraryForm</New>
+</FormTemplates>
+</file>
+
+<file path=customXml/item3.xml><?xml version="1.0" encoding="utf-8"?>
+<p:properties xmlns:p="http://schemas.microsoft.com/office/2006/metadata/properties" xmlns:xsi="http://www.w3.org/2001/XMLSchema-instance" xmlns:pc="http://schemas.microsoft.com/office/infopath/2007/PartnerControls">
+  <documentManagement/>
+</p:properties>
+</file>
+
 <file path=customXml/itemProps1.xml><?xml version="1.0" encoding="utf-8"?>
-<ds:datastoreItem xmlns:ds="http://schemas.openxmlformats.org/officeDocument/2006/customXml" ds:itemID="{433A109D-459E-404C-8C83-5D2FC6A35684}">
+<ds:datastoreItem xmlns:ds="http://schemas.openxmlformats.org/officeDocument/2006/customXml" ds:itemID="{82C72FAE-C37A-4AD5-9017-2EB515FF0F2F}">
   <ds:schemaRefs>
+    <ds:schemaRef ds:uri="http://schemas.microsoft.com/office/2006/metadata/contentType"/>
+    <ds:schemaRef ds:uri="http://schemas.microsoft.com/office/2006/metadata/properties/metaAttributes"/>
+    <ds:schemaRef ds:uri="http://www.w3.org/2001/XMLSchema"/>
     <ds:schemaRef ds:uri="http://schemas.microsoft.com/office/2006/metadata/properties"/>
+    <ds:schemaRef ds:uri="http://schemas.openxmlformats.org/package/2006/metadata/core-properties"/>
+    <ds:schemaRef ds:uri="http://purl.org/dc/elements/1.1/"/>
+    <ds:schemaRef ds:uri="http://purl.org/dc/terms/"/>
+    <ds:schemaRef ds:uri="http://schemas.microsoft.com/internal/obd"/>
     <ds:schemaRef ds:uri="http://schemas.microsoft.com/office/infopath/2007/PartnerControls"/>
   </ds:schemaRefs>
 </ds:datastoreItem>
@@ -8036,16 +9029,9 @@
 </file>
 
 <file path=customXml/itemProps3.xml><?xml version="1.0" encoding="utf-8"?>
-<ds:datastoreItem xmlns:ds="http://schemas.openxmlformats.org/officeDocument/2006/customXml" ds:itemID="{82C72FAE-C37A-4AD5-9017-2EB515FF0F2F}">
+<ds:datastoreItem xmlns:ds="http://schemas.openxmlformats.org/officeDocument/2006/customXml" ds:itemID="{433A109D-459E-404C-8C83-5D2FC6A35684}">
   <ds:schemaRefs>
-    <ds:schemaRef ds:uri="http://schemas.microsoft.com/office/2006/metadata/contentType"/>
-    <ds:schemaRef ds:uri="http://schemas.microsoft.com/office/2006/metadata/properties/metaAttributes"/>
-    <ds:schemaRef ds:uri="http://www.w3.org/2001/XMLSchema"/>
     <ds:schemaRef ds:uri="http://schemas.microsoft.com/office/2006/metadata/properties"/>
-    <ds:schemaRef ds:uri="http://schemas.openxmlformats.org/package/2006/metadata/core-properties"/>
-    <ds:schemaRef ds:uri="http://purl.org/dc/elements/1.1/"/>
-    <ds:schemaRef ds:uri="http://purl.org/dc/terms/"/>
-    <ds:schemaRef ds:uri="http://schemas.microsoft.com/internal/obd"/>
     <ds:schemaRef ds:uri="http://schemas.microsoft.com/office/infopath/2007/PartnerControls"/>
   </ds:schemaRefs>
 </ds:datastoreItem>

--- a/00_Numericne_metode_osnove/VAJE_01.pptx
+++ b/00_Numericne_metode_osnove/VAJE_01.pptx
@@ -3880,7 +3880,22 @@
               <a:rPr lang="sl-SI" sz="2400" b="0" dirty="0">
                 <a:effectLst/>
               </a:rPr>
-              <a:t>Ustvarite program, ki bo preveril, če je število a praštevilo. Spomnimo se, da je praštevilo število, ki je deljivo samo s samim seboj in z enico. Program naj uporabnika vpraša po številu a in nato preveri, če je število a.</a:t>
+              <a:t>Ustvarite program, ki bo preveril, če je število </a:t>
+            </a:r>
+            <a:r>
+              <a:rPr lang="sl-SI" sz="2400" b="0" dirty="0">
+                <a:solidFill>
+                  <a:srgbClr val="FF0000"/>
+                </a:solidFill>
+                <a:effectLst/>
+              </a:rPr>
+              <a:t>a</a:t>
+            </a:r>
+            <a:r>
+              <a:rPr lang="sl-SI" sz="2400" b="0" dirty="0">
+                <a:effectLst/>
+              </a:rPr>
+              <a:t> praštevilo. Spomnimo se, da je praštevilo število, ki je deljivo samo s samim seboj in z enico. Program naj uporabnika vpraša po številu a in nato preveri, če je število a.</a:t>
             </a:r>
           </a:p>
         </p:txBody>
@@ -8876,6 +8891,21 @@
 </file>
 
 <file path=customXml/item1.xml><?xml version="1.0" encoding="utf-8"?>
+<p:properties xmlns:p="http://schemas.microsoft.com/office/2006/metadata/properties" xmlns:xsi="http://www.w3.org/2001/XMLSchema-instance" xmlns:pc="http://schemas.microsoft.com/office/infopath/2007/PartnerControls">
+  <documentManagement/>
+</p:properties>
+</file>
+
+<file path=customXml/item2.xml><?xml version="1.0" encoding="utf-8"?>
+<?mso-contentType ?>
+<FormTemplates xmlns="http://schemas.microsoft.com/sharepoint/v3/contenttype/forms">
+  <Display>DocumentLibraryForm</Display>
+  <Edit>DocumentLibraryForm</Edit>
+  <New>DocumentLibraryForm</New>
+</FormTemplates>
+</file>
+
+<file path=customXml/item3.xml><?xml version="1.0" encoding="utf-8"?>
 <ct:contentTypeSchema xmlns:ct="http://schemas.microsoft.com/office/2006/metadata/contentType" xmlns:ma="http://schemas.microsoft.com/office/2006/metadata/properties/metaAttributes" ct:_="" ma:_="" ma:contentTypeName="Dokument" ma:contentTypeID="0x010100841982B54D271144881CC44BC406B464" ma:contentTypeVersion="0" ma:contentTypeDescription="Ustvari nov dokument." ma:contentTypeScope="" ma:versionID="86099df9172da2f691735cb32ffb09bf">
   <xsd:schema xmlns:xsd="http://www.w3.org/2001/XMLSchema" xmlns:xs="http://www.w3.org/2001/XMLSchema" xmlns:p="http://schemas.microsoft.com/office/2006/metadata/properties" targetNamespace="http://schemas.microsoft.com/office/2006/metadata/properties" ma:root="true" ma:fieldsID="dfe818e0d49b97434f34ae21df0856ea">
     <xsd:element name="properties">
@@ -8989,32 +9019,10 @@
 </ct:contentTypeSchema>
 </file>
 
-<file path=customXml/item2.xml><?xml version="1.0" encoding="utf-8"?>
-<?mso-contentType ?>
-<FormTemplates xmlns="http://schemas.microsoft.com/sharepoint/v3/contenttype/forms">
-  <Display>DocumentLibraryForm</Display>
-  <Edit>DocumentLibraryForm</Edit>
-  <New>DocumentLibraryForm</New>
-</FormTemplates>
-</file>
-
-<file path=customXml/item3.xml><?xml version="1.0" encoding="utf-8"?>
-<p:properties xmlns:p="http://schemas.microsoft.com/office/2006/metadata/properties" xmlns:xsi="http://www.w3.org/2001/XMLSchema-instance" xmlns:pc="http://schemas.microsoft.com/office/infopath/2007/PartnerControls">
-  <documentManagement/>
-</p:properties>
-</file>
-
 <file path=customXml/itemProps1.xml><?xml version="1.0" encoding="utf-8"?>
-<ds:datastoreItem xmlns:ds="http://schemas.openxmlformats.org/officeDocument/2006/customXml" ds:itemID="{82C72FAE-C37A-4AD5-9017-2EB515FF0F2F}">
+<ds:datastoreItem xmlns:ds="http://schemas.openxmlformats.org/officeDocument/2006/customXml" ds:itemID="{433A109D-459E-404C-8C83-5D2FC6A35684}">
   <ds:schemaRefs>
-    <ds:schemaRef ds:uri="http://schemas.microsoft.com/office/2006/metadata/contentType"/>
-    <ds:schemaRef ds:uri="http://schemas.microsoft.com/office/2006/metadata/properties/metaAttributes"/>
-    <ds:schemaRef ds:uri="http://www.w3.org/2001/XMLSchema"/>
     <ds:schemaRef ds:uri="http://schemas.microsoft.com/office/2006/metadata/properties"/>
-    <ds:schemaRef ds:uri="http://schemas.openxmlformats.org/package/2006/metadata/core-properties"/>
-    <ds:schemaRef ds:uri="http://purl.org/dc/elements/1.1/"/>
-    <ds:schemaRef ds:uri="http://purl.org/dc/terms/"/>
-    <ds:schemaRef ds:uri="http://schemas.microsoft.com/internal/obd"/>
     <ds:schemaRef ds:uri="http://schemas.microsoft.com/office/infopath/2007/PartnerControls"/>
   </ds:schemaRefs>
 </ds:datastoreItem>
@@ -9029,9 +9037,16 @@
 </file>
 
 <file path=customXml/itemProps3.xml><?xml version="1.0" encoding="utf-8"?>
-<ds:datastoreItem xmlns:ds="http://schemas.openxmlformats.org/officeDocument/2006/customXml" ds:itemID="{433A109D-459E-404C-8C83-5D2FC6A35684}">
+<ds:datastoreItem xmlns:ds="http://schemas.openxmlformats.org/officeDocument/2006/customXml" ds:itemID="{82C72FAE-C37A-4AD5-9017-2EB515FF0F2F}">
   <ds:schemaRefs>
+    <ds:schemaRef ds:uri="http://schemas.microsoft.com/office/2006/metadata/contentType"/>
+    <ds:schemaRef ds:uri="http://schemas.microsoft.com/office/2006/metadata/properties/metaAttributes"/>
+    <ds:schemaRef ds:uri="http://www.w3.org/2001/XMLSchema"/>
     <ds:schemaRef ds:uri="http://schemas.microsoft.com/office/2006/metadata/properties"/>
+    <ds:schemaRef ds:uri="http://schemas.openxmlformats.org/package/2006/metadata/core-properties"/>
+    <ds:schemaRef ds:uri="http://purl.org/dc/elements/1.1/"/>
+    <ds:schemaRef ds:uri="http://purl.org/dc/terms/"/>
+    <ds:schemaRef ds:uri="http://schemas.microsoft.com/internal/obd"/>
     <ds:schemaRef ds:uri="http://schemas.microsoft.com/office/infopath/2007/PartnerControls"/>
   </ds:schemaRefs>
 </ds:datastoreItem>
